--- a/APIアーキテクチャ.pptx
+++ b/APIアーキテクチャ.pptx
@@ -104,6 +104,11 @@
       </a:defRPr>
     </a:lvl9pPr>
   </p:defaultTextStyle>
+  <p:extLst>
+    <p:ext uri="{EFAFB233-063F-42B5-8137-9DF3F51BA10A}">
+      <p15:sldGuideLst xmlns:p15="http://schemas.microsoft.com/office/powerpoint/2012/main"/>
+    </p:ext>
+  </p:extLst>
 </p:presentation>
 </file>
 
@@ -254,7 +259,7 @@
           <a:p>
             <a:fld id="{DD60FD5D-43E3-43DC-AF2E-099EE997A7E6}" type="datetimeFigureOut">
               <a:rPr kumimoji="1" lang="ja-JP" altLang="en-US" smtClean="0"/>
-              <a:t>2022/2/6</a:t>
+              <a:t>2022/2/11</a:t>
             </a:fld>
             <a:endParaRPr kumimoji="1" lang="ja-JP" altLang="en-US"/>
           </a:p>
@@ -484,7 +489,7 @@
           <a:p>
             <a:fld id="{DD60FD5D-43E3-43DC-AF2E-099EE997A7E6}" type="datetimeFigureOut">
               <a:rPr kumimoji="1" lang="ja-JP" altLang="en-US" smtClean="0"/>
-              <a:t>2022/2/6</a:t>
+              <a:t>2022/2/11</a:t>
             </a:fld>
             <a:endParaRPr kumimoji="1" lang="ja-JP" altLang="en-US"/>
           </a:p>
@@ -724,7 +729,7 @@
           <a:p>
             <a:fld id="{DD60FD5D-43E3-43DC-AF2E-099EE997A7E6}" type="datetimeFigureOut">
               <a:rPr kumimoji="1" lang="ja-JP" altLang="en-US" smtClean="0"/>
-              <a:t>2022/2/6</a:t>
+              <a:t>2022/2/11</a:t>
             </a:fld>
             <a:endParaRPr kumimoji="1" lang="ja-JP" altLang="en-US"/>
           </a:p>
@@ -954,7 +959,7 @@
           <a:p>
             <a:fld id="{DD60FD5D-43E3-43DC-AF2E-099EE997A7E6}" type="datetimeFigureOut">
               <a:rPr kumimoji="1" lang="ja-JP" altLang="en-US" smtClean="0"/>
-              <a:t>2022/2/6</a:t>
+              <a:t>2022/2/11</a:t>
             </a:fld>
             <a:endParaRPr kumimoji="1" lang="ja-JP" altLang="en-US"/>
           </a:p>
@@ -1229,7 +1234,7 @@
           <a:p>
             <a:fld id="{DD60FD5D-43E3-43DC-AF2E-099EE997A7E6}" type="datetimeFigureOut">
               <a:rPr kumimoji="1" lang="ja-JP" altLang="en-US" smtClean="0"/>
-              <a:t>2022/2/6</a:t>
+              <a:t>2022/2/11</a:t>
             </a:fld>
             <a:endParaRPr kumimoji="1" lang="ja-JP" altLang="en-US"/>
           </a:p>
@@ -1558,7 +1563,7 @@
           <a:p>
             <a:fld id="{DD60FD5D-43E3-43DC-AF2E-099EE997A7E6}" type="datetimeFigureOut">
               <a:rPr kumimoji="1" lang="ja-JP" altLang="en-US" smtClean="0"/>
-              <a:t>2022/2/6</a:t>
+              <a:t>2022/2/11</a:t>
             </a:fld>
             <a:endParaRPr kumimoji="1" lang="ja-JP" altLang="en-US"/>
           </a:p>
@@ -2034,7 +2039,7 @@
           <a:p>
             <a:fld id="{DD60FD5D-43E3-43DC-AF2E-099EE997A7E6}" type="datetimeFigureOut">
               <a:rPr kumimoji="1" lang="ja-JP" altLang="en-US" smtClean="0"/>
-              <a:t>2022/2/6</a:t>
+              <a:t>2022/2/11</a:t>
             </a:fld>
             <a:endParaRPr kumimoji="1" lang="ja-JP" altLang="en-US"/>
           </a:p>
@@ -2175,7 +2180,7 @@
           <a:p>
             <a:fld id="{DD60FD5D-43E3-43DC-AF2E-099EE997A7E6}" type="datetimeFigureOut">
               <a:rPr kumimoji="1" lang="ja-JP" altLang="en-US" smtClean="0"/>
-              <a:t>2022/2/6</a:t>
+              <a:t>2022/2/11</a:t>
             </a:fld>
             <a:endParaRPr kumimoji="1" lang="ja-JP" altLang="en-US"/>
           </a:p>
@@ -2288,7 +2293,7 @@
           <a:p>
             <a:fld id="{DD60FD5D-43E3-43DC-AF2E-099EE997A7E6}" type="datetimeFigureOut">
               <a:rPr kumimoji="1" lang="ja-JP" altLang="en-US" smtClean="0"/>
-              <a:t>2022/2/6</a:t>
+              <a:t>2022/2/11</a:t>
             </a:fld>
             <a:endParaRPr kumimoji="1" lang="ja-JP" altLang="en-US"/>
           </a:p>
@@ -2631,7 +2636,7 @@
           <a:p>
             <a:fld id="{DD60FD5D-43E3-43DC-AF2E-099EE997A7E6}" type="datetimeFigureOut">
               <a:rPr kumimoji="1" lang="ja-JP" altLang="en-US" smtClean="0"/>
-              <a:t>2022/2/6</a:t>
+              <a:t>2022/2/11</a:t>
             </a:fld>
             <a:endParaRPr kumimoji="1" lang="ja-JP" altLang="en-US"/>
           </a:p>
@@ -2919,7 +2924,7 @@
           <a:p>
             <a:fld id="{DD60FD5D-43E3-43DC-AF2E-099EE997A7E6}" type="datetimeFigureOut">
               <a:rPr kumimoji="1" lang="ja-JP" altLang="en-US" smtClean="0"/>
-              <a:t>2022/2/6</a:t>
+              <a:t>2022/2/11</a:t>
             </a:fld>
             <a:endParaRPr kumimoji="1" lang="ja-JP" altLang="en-US"/>
           </a:p>
@@ -3192,7 +3197,7 @@
           <a:p>
             <a:fld id="{DD60FD5D-43E3-43DC-AF2E-099EE997A7E6}" type="datetimeFigureOut">
               <a:rPr kumimoji="1" lang="ja-JP" altLang="en-US" smtClean="0"/>
-              <a:t>2022/2/6</a:t>
+              <a:t>2022/2/11</a:t>
             </a:fld>
             <a:endParaRPr kumimoji="1" lang="ja-JP" altLang="en-US"/>
           </a:p>
@@ -3609,235 +3614,188 @@
           <a:chExt cx="0" cy="0"/>
         </a:xfrm>
       </p:grpSpPr>
-      <p:grpSp>
-        <p:nvGrpSpPr>
-          <p:cNvPr id="13" name="グループ化 12">
-            <a:extLst>
-              <a:ext uri="{FF2B5EF4-FFF2-40B4-BE49-F238E27FC236}">
-                <a16:creationId xmlns:a16="http://schemas.microsoft.com/office/drawing/2014/main" id="{E961C7B2-F7E7-41C6-8BBB-B46091262521}"/>
-              </a:ext>
-            </a:extLst>
-          </p:cNvPr>
-          <p:cNvGrpSpPr/>
+      <p:sp>
+        <p:nvSpPr>
+          <p:cNvPr id="8" name="楕円 7">
+            <a:extLst>
+              <a:ext uri="{FF2B5EF4-FFF2-40B4-BE49-F238E27FC236}">
+                <a16:creationId xmlns:a16="http://schemas.microsoft.com/office/drawing/2014/main" id="{069F367D-F1FE-4689-8318-BE67B7D4FD90}"/>
+              </a:ext>
+            </a:extLst>
+          </p:cNvPr>
+          <p:cNvSpPr/>
           <p:nvPr/>
-        </p:nvGrpSpPr>
-        <p:grpSpPr>
+        </p:nvSpPr>
+        <p:spPr>
           <a:xfrm>
             <a:off x="729216" y="374526"/>
             <a:ext cx="5996763" cy="6049925"/>
-            <a:chOff x="691116" y="393405"/>
-            <a:chExt cx="5996763" cy="6049925"/>
-          </a:xfrm>
-        </p:grpSpPr>
-        <p:sp>
-          <p:nvSpPr>
-            <p:cNvPr id="8" name="楕円 7">
-              <a:extLst>
-                <a:ext uri="{FF2B5EF4-FFF2-40B4-BE49-F238E27FC236}">
-                  <a16:creationId xmlns:a16="http://schemas.microsoft.com/office/drawing/2014/main" id="{069F367D-F1FE-4689-8318-BE67B7D4FD90}"/>
-                </a:ext>
-              </a:extLst>
-            </p:cNvPr>
-            <p:cNvSpPr/>
-            <p:nvPr/>
-          </p:nvSpPr>
-          <p:spPr>
-            <a:xfrm>
-              <a:off x="691116" y="393405"/>
-              <a:ext cx="5996763" cy="6049925"/>
-            </a:xfrm>
-            <a:prstGeom prst="ellipse">
-              <a:avLst/>
-            </a:prstGeom>
-            <a:ln>
-              <a:solidFill>
-                <a:schemeClr val="bg1">
-                  <a:lumMod val="65000"/>
-                </a:schemeClr>
-              </a:solidFill>
-              <a:prstDash val="sysDot"/>
-            </a:ln>
-          </p:spPr>
-          <p:style>
-            <a:lnRef idx="2">
-              <a:schemeClr val="dk1"/>
-            </a:lnRef>
-            <a:fillRef idx="1">
-              <a:schemeClr val="lt1"/>
-            </a:fillRef>
-            <a:effectRef idx="0">
-              <a:schemeClr val="dk1"/>
-            </a:effectRef>
-            <a:fontRef idx="minor">
-              <a:schemeClr val="dk1"/>
-            </a:fontRef>
-          </p:style>
-          <p:txBody>
-            <a:bodyPr rtlCol="0" anchor="ctr"/>
-            <a:lstStyle/>
-            <a:p>
-              <a:pPr algn="ctr"/>
-              <a:endParaRPr kumimoji="1" lang="ja-JP" altLang="en-US"/>
-            </a:p>
-          </p:txBody>
-        </p:sp>
-        <p:sp>
-          <p:nvSpPr>
-            <p:cNvPr id="10" name="楕円 9">
-              <a:extLst>
-                <a:ext uri="{FF2B5EF4-FFF2-40B4-BE49-F238E27FC236}">
-                  <a16:creationId xmlns:a16="http://schemas.microsoft.com/office/drawing/2014/main" id="{DC69EF75-3F7C-489D-922F-E62AE8A43276}"/>
-                </a:ext>
-              </a:extLst>
-            </p:cNvPr>
-            <p:cNvSpPr/>
-            <p:nvPr/>
-          </p:nvSpPr>
-          <p:spPr>
-            <a:xfrm>
-              <a:off x="1440711" y="1149644"/>
-              <a:ext cx="4497572" cy="4537444"/>
-            </a:xfrm>
-            <a:prstGeom prst="ellipse">
-              <a:avLst/>
-            </a:prstGeom>
-            <a:ln>
-              <a:solidFill>
-                <a:schemeClr val="bg1">
-                  <a:lumMod val="65000"/>
-                </a:schemeClr>
-              </a:solidFill>
-              <a:prstDash val="sysDot"/>
-            </a:ln>
-          </p:spPr>
-          <p:style>
-            <a:lnRef idx="2">
-              <a:schemeClr val="dk1"/>
-            </a:lnRef>
-            <a:fillRef idx="1">
-              <a:schemeClr val="lt1"/>
-            </a:fillRef>
-            <a:effectRef idx="0">
-              <a:schemeClr val="dk1"/>
-            </a:effectRef>
-            <a:fontRef idx="minor">
-              <a:schemeClr val="dk1"/>
-            </a:fontRef>
-          </p:style>
-          <p:txBody>
-            <a:bodyPr rtlCol="0" anchor="ctr"/>
-            <a:lstStyle/>
-            <a:p>
-              <a:pPr algn="ctr"/>
-              <a:endParaRPr kumimoji="1" lang="ja-JP" altLang="en-US"/>
-            </a:p>
-          </p:txBody>
-        </p:sp>
-        <p:sp>
-          <p:nvSpPr>
-            <p:cNvPr id="11" name="楕円 10">
-              <a:extLst>
-                <a:ext uri="{FF2B5EF4-FFF2-40B4-BE49-F238E27FC236}">
-                  <a16:creationId xmlns:a16="http://schemas.microsoft.com/office/drawing/2014/main" id="{103AE7A9-C1C6-40E8-BDBB-200DD162CE7D}"/>
-                </a:ext>
-              </a:extLst>
-            </p:cNvPr>
-            <p:cNvSpPr/>
-            <p:nvPr/>
-          </p:nvSpPr>
-          <p:spPr>
-            <a:xfrm>
-              <a:off x="2190306" y="1905885"/>
-              <a:ext cx="2998382" cy="3024963"/>
-            </a:xfrm>
-            <a:prstGeom prst="ellipse">
-              <a:avLst/>
-            </a:prstGeom>
-            <a:ln>
-              <a:solidFill>
-                <a:schemeClr val="bg1">
-                  <a:lumMod val="65000"/>
-                </a:schemeClr>
-              </a:solidFill>
-              <a:prstDash val="sysDot"/>
-            </a:ln>
-          </p:spPr>
-          <p:style>
-            <a:lnRef idx="2">
-              <a:schemeClr val="dk1"/>
-            </a:lnRef>
-            <a:fillRef idx="1">
-              <a:schemeClr val="lt1"/>
-            </a:fillRef>
-            <a:effectRef idx="0">
-              <a:schemeClr val="dk1"/>
-            </a:effectRef>
-            <a:fontRef idx="minor">
-              <a:schemeClr val="dk1"/>
-            </a:fontRef>
-          </p:style>
-          <p:txBody>
-            <a:bodyPr rtlCol="0" anchor="ctr"/>
-            <a:lstStyle/>
-            <a:p>
-              <a:pPr algn="ctr"/>
-              <a:endParaRPr kumimoji="1" lang="ja-JP" altLang="en-US" dirty="0"/>
-            </a:p>
-          </p:txBody>
-        </p:sp>
-        <p:sp>
-          <p:nvSpPr>
-            <p:cNvPr id="12" name="楕円 11">
-              <a:extLst>
-                <a:ext uri="{FF2B5EF4-FFF2-40B4-BE49-F238E27FC236}">
-                  <a16:creationId xmlns:a16="http://schemas.microsoft.com/office/drawing/2014/main" id="{2F7E19DF-C961-4809-B8D5-10E0D7DA682B}"/>
-                </a:ext>
-              </a:extLst>
-            </p:cNvPr>
-            <p:cNvSpPr/>
-            <p:nvPr/>
-          </p:nvSpPr>
-          <p:spPr>
-            <a:xfrm>
-              <a:off x="2939901" y="2662125"/>
-              <a:ext cx="1499191" cy="1512481"/>
-            </a:xfrm>
-            <a:prstGeom prst="ellipse">
-              <a:avLst/>
-            </a:prstGeom>
-            <a:ln>
-              <a:solidFill>
-                <a:schemeClr val="bg1">
-                  <a:lumMod val="65000"/>
-                </a:schemeClr>
-              </a:solidFill>
-              <a:prstDash val="sysDot"/>
-            </a:ln>
-          </p:spPr>
-          <p:style>
-            <a:lnRef idx="2">
-              <a:schemeClr val="dk1"/>
-            </a:lnRef>
-            <a:fillRef idx="1">
-              <a:schemeClr val="lt1"/>
-            </a:fillRef>
-            <a:effectRef idx="0">
-              <a:schemeClr val="dk1"/>
-            </a:effectRef>
-            <a:fontRef idx="minor">
-              <a:schemeClr val="dk1"/>
-            </a:fontRef>
-          </p:style>
-          <p:txBody>
-            <a:bodyPr rtlCol="0" anchor="ctr"/>
-            <a:lstStyle/>
-            <a:p>
-              <a:pPr algn="ctr"/>
-              <a:endParaRPr kumimoji="1" lang="ja-JP" altLang="en-US" dirty="0"/>
-            </a:p>
-          </p:txBody>
-        </p:sp>
-      </p:grpSp>
+          </a:xfrm>
+          <a:prstGeom prst="ellipse">
+            <a:avLst/>
+          </a:prstGeom>
+          <a:ln/>
+        </p:spPr>
+        <p:style>
+          <a:lnRef idx="2">
+            <a:schemeClr val="accent3">
+              <a:shade val="50000"/>
+            </a:schemeClr>
+          </a:lnRef>
+          <a:fillRef idx="1">
+            <a:schemeClr val="accent3"/>
+          </a:fillRef>
+          <a:effectRef idx="0">
+            <a:schemeClr val="accent3"/>
+          </a:effectRef>
+          <a:fontRef idx="minor">
+            <a:schemeClr val="lt1"/>
+          </a:fontRef>
+        </p:style>
+        <p:txBody>
+          <a:bodyPr rtlCol="0" anchor="ctr"/>
+          <a:lstStyle/>
+          <a:p>
+            <a:pPr algn="ctr"/>
+            <a:endParaRPr kumimoji="1" lang="ja-JP" altLang="en-US"/>
+          </a:p>
+        </p:txBody>
+      </p:sp>
+      <p:sp>
+        <p:nvSpPr>
+          <p:cNvPr id="10" name="楕円 9">
+            <a:extLst>
+              <a:ext uri="{FF2B5EF4-FFF2-40B4-BE49-F238E27FC236}">
+                <a16:creationId xmlns:a16="http://schemas.microsoft.com/office/drawing/2014/main" id="{DC69EF75-3F7C-489D-922F-E62AE8A43276}"/>
+              </a:ext>
+            </a:extLst>
+          </p:cNvPr>
+          <p:cNvSpPr/>
+          <p:nvPr/>
+        </p:nvSpPr>
+        <p:spPr>
+          <a:xfrm>
+            <a:off x="1478811" y="1130765"/>
+            <a:ext cx="4497572" cy="4537444"/>
+          </a:xfrm>
+          <a:prstGeom prst="ellipse">
+            <a:avLst/>
+          </a:prstGeom>
+          <a:ln/>
+        </p:spPr>
+        <p:style>
+          <a:lnRef idx="1">
+            <a:schemeClr val="accent3"/>
+          </a:lnRef>
+          <a:fillRef idx="2">
+            <a:schemeClr val="accent3"/>
+          </a:fillRef>
+          <a:effectRef idx="1">
+            <a:schemeClr val="accent3"/>
+          </a:effectRef>
+          <a:fontRef idx="minor">
+            <a:schemeClr val="dk1"/>
+          </a:fontRef>
+        </p:style>
+        <p:txBody>
+          <a:bodyPr rtlCol="0" anchor="ctr"/>
+          <a:lstStyle/>
+          <a:p>
+            <a:pPr algn="ctr"/>
+            <a:endParaRPr kumimoji="1" lang="ja-JP" altLang="en-US"/>
+          </a:p>
+        </p:txBody>
+      </p:sp>
+      <p:sp>
+        <p:nvSpPr>
+          <p:cNvPr id="11" name="楕円 10">
+            <a:extLst>
+              <a:ext uri="{FF2B5EF4-FFF2-40B4-BE49-F238E27FC236}">
+                <a16:creationId xmlns:a16="http://schemas.microsoft.com/office/drawing/2014/main" id="{103AE7A9-C1C6-40E8-BDBB-200DD162CE7D}"/>
+              </a:ext>
+            </a:extLst>
+          </p:cNvPr>
+          <p:cNvSpPr/>
+          <p:nvPr/>
+        </p:nvSpPr>
+        <p:spPr>
+          <a:xfrm>
+            <a:off x="2228406" y="1887006"/>
+            <a:ext cx="2998382" cy="3024963"/>
+          </a:xfrm>
+          <a:prstGeom prst="ellipse">
+            <a:avLst/>
+          </a:prstGeom>
+          <a:ln/>
+        </p:spPr>
+        <p:style>
+          <a:lnRef idx="1">
+            <a:schemeClr val="accent3"/>
+          </a:lnRef>
+          <a:fillRef idx="3">
+            <a:schemeClr val="accent3"/>
+          </a:fillRef>
+          <a:effectRef idx="2">
+            <a:schemeClr val="accent3"/>
+          </a:effectRef>
+          <a:fontRef idx="minor">
+            <a:schemeClr val="lt1"/>
+          </a:fontRef>
+        </p:style>
+        <p:txBody>
+          <a:bodyPr rtlCol="0" anchor="ctr"/>
+          <a:lstStyle/>
+          <a:p>
+            <a:pPr algn="ctr"/>
+            <a:endParaRPr kumimoji="1" lang="ja-JP" altLang="en-US" dirty="0"/>
+          </a:p>
+        </p:txBody>
+      </p:sp>
+      <p:sp>
+        <p:nvSpPr>
+          <p:cNvPr id="12" name="楕円 11">
+            <a:extLst>
+              <a:ext uri="{FF2B5EF4-FFF2-40B4-BE49-F238E27FC236}">
+                <a16:creationId xmlns:a16="http://schemas.microsoft.com/office/drawing/2014/main" id="{2F7E19DF-C961-4809-B8D5-10E0D7DA682B}"/>
+              </a:ext>
+            </a:extLst>
+          </p:cNvPr>
+          <p:cNvSpPr/>
+          <p:nvPr/>
+        </p:nvSpPr>
+        <p:spPr>
+          <a:xfrm>
+            <a:off x="2978001" y="2643246"/>
+            <a:ext cx="1499191" cy="1512481"/>
+          </a:xfrm>
+          <a:prstGeom prst="ellipse">
+            <a:avLst/>
+          </a:prstGeom>
+          <a:ln/>
+        </p:spPr>
+        <p:style>
+          <a:lnRef idx="1">
+            <a:schemeClr val="accent3"/>
+          </a:lnRef>
+          <a:fillRef idx="2">
+            <a:schemeClr val="accent3"/>
+          </a:fillRef>
+          <a:effectRef idx="1">
+            <a:schemeClr val="accent3"/>
+          </a:effectRef>
+          <a:fontRef idx="minor">
+            <a:schemeClr val="dk1"/>
+          </a:fontRef>
+        </p:style>
+        <p:txBody>
+          <a:bodyPr rtlCol="0" anchor="ctr"/>
+          <a:lstStyle/>
+          <a:p>
+            <a:pPr algn="ctr"/>
+            <a:endParaRPr kumimoji="1" lang="ja-JP" altLang="en-US" dirty="0"/>
+          </a:p>
+        </p:txBody>
+      </p:sp>
       <p:sp>
         <p:nvSpPr>
           <p:cNvPr id="15" name="テキスト ボックス 14">
@@ -4098,10 +4056,10 @@
       </p:sp>
       <p:sp>
         <p:nvSpPr>
-          <p:cNvPr id="20" name="テキスト ボックス 19">
-            <a:extLst>
-              <a:ext uri="{FF2B5EF4-FFF2-40B4-BE49-F238E27FC236}">
-                <a16:creationId xmlns:a16="http://schemas.microsoft.com/office/drawing/2014/main" id="{418A6BB5-2BA9-4B27-9C00-D90027589FF3}"/>
+          <p:cNvPr id="21" name="テキスト ボックス 20">
+            <a:extLst>
+              <a:ext uri="{FF2B5EF4-FFF2-40B4-BE49-F238E27FC236}">
+                <a16:creationId xmlns:a16="http://schemas.microsoft.com/office/drawing/2014/main" id="{34840A2D-A8C1-4DAE-91B2-C290F76248E8}"/>
               </a:ext>
             </a:extLst>
           </p:cNvPr>
@@ -4110,8 +4068,8 @@
         </p:nvSpPr>
         <p:spPr>
           <a:xfrm>
-            <a:off x="4936584" y="995472"/>
-            <a:ext cx="494143" cy="230832"/>
+            <a:off x="5006547" y="5292137"/>
+            <a:ext cx="848360" cy="230832"/>
           </a:xfrm>
           <a:prstGeom prst="rect">
             <a:avLst/>
@@ -4140,7 +4098,7 @@
             <a:pPr algn="ctr"/>
             <a:r>
               <a:rPr kumimoji="1" lang="en-US" altLang="ja-JP" sz="900" dirty="0"/>
-              <a:t>DB</a:t>
+              <a:t>UI</a:t>
             </a:r>
             <a:endParaRPr kumimoji="1" lang="ja-JP" altLang="en-US" sz="900" dirty="0"/>
           </a:p>
@@ -4148,10 +4106,10 @@
       </p:sp>
       <p:sp>
         <p:nvSpPr>
-          <p:cNvPr id="21" name="テキスト ボックス 20">
-            <a:extLst>
-              <a:ext uri="{FF2B5EF4-FFF2-40B4-BE49-F238E27FC236}">
-                <a16:creationId xmlns:a16="http://schemas.microsoft.com/office/drawing/2014/main" id="{34840A2D-A8C1-4DAE-91B2-C290F76248E8}"/>
+          <p:cNvPr id="22" name="テキスト ボックス 21">
+            <a:extLst>
+              <a:ext uri="{FF2B5EF4-FFF2-40B4-BE49-F238E27FC236}">
+                <a16:creationId xmlns:a16="http://schemas.microsoft.com/office/drawing/2014/main" id="{765FFA10-BBC4-40B4-B460-1DBD478AEC7D}"/>
               </a:ext>
             </a:extLst>
           </p:cNvPr>
@@ -4160,8 +4118,8 @@
         </p:nvSpPr>
         <p:spPr>
           <a:xfrm>
-            <a:off x="5006547" y="5292137"/>
-            <a:ext cx="848360" cy="230832"/>
+            <a:off x="5928709" y="2352581"/>
+            <a:ext cx="606322" cy="230832"/>
           </a:xfrm>
           <a:prstGeom prst="rect">
             <a:avLst/>
@@ -4189,56 +4147,6 @@
           <a:p>
             <a:pPr algn="ctr"/>
             <a:r>
-              <a:rPr kumimoji="1" lang="en-US" altLang="ja-JP" sz="900" dirty="0"/>
-              <a:t>UI</a:t>
-            </a:r>
-            <a:endParaRPr kumimoji="1" lang="ja-JP" altLang="en-US" sz="900" dirty="0"/>
-          </a:p>
-        </p:txBody>
-      </p:sp>
-      <p:sp>
-        <p:nvSpPr>
-          <p:cNvPr id="22" name="テキスト ボックス 21">
-            <a:extLst>
-              <a:ext uri="{FF2B5EF4-FFF2-40B4-BE49-F238E27FC236}">
-                <a16:creationId xmlns:a16="http://schemas.microsoft.com/office/drawing/2014/main" id="{765FFA10-BBC4-40B4-B460-1DBD478AEC7D}"/>
-              </a:ext>
-            </a:extLst>
-          </p:cNvPr>
-          <p:cNvSpPr txBox="1"/>
-          <p:nvPr/>
-        </p:nvSpPr>
-        <p:spPr>
-          <a:xfrm>
-            <a:off x="5928709" y="2352581"/>
-            <a:ext cx="606322" cy="230832"/>
-          </a:xfrm>
-          <a:prstGeom prst="rect">
-            <a:avLst/>
-          </a:prstGeom>
-        </p:spPr>
-        <p:style>
-          <a:lnRef idx="2">
-            <a:schemeClr val="accent4"/>
-          </a:lnRef>
-          <a:fillRef idx="1">
-            <a:schemeClr val="lt1"/>
-          </a:fillRef>
-          <a:effectRef idx="0">
-            <a:schemeClr val="accent4"/>
-          </a:effectRef>
-          <a:fontRef idx="minor">
-            <a:schemeClr val="dk1"/>
-          </a:fontRef>
-        </p:style>
-        <p:txBody>
-          <a:bodyPr wrap="square" rtlCol="0">
-            <a:spAutoFit/>
-          </a:bodyPr>
-          <a:lstStyle/>
-          <a:p>
-            <a:pPr algn="ctr"/>
-            <a:r>
               <a:rPr lang="en-US" altLang="ja-JP" sz="900" dirty="0"/>
               <a:t>mapper</a:t>
             </a:r>
@@ -4258,14 +4166,14 @@
           <p:cNvCxnSpPr>
             <a:cxnSpLocks/>
             <a:stCxn id="22" idx="0"/>
-            <a:endCxn id="20" idx="2"/>
+            <a:endCxn id="2" idx="2"/>
           </p:cNvCxnSpPr>
           <p:nvPr/>
         </p:nvCxnSpPr>
         <p:spPr>
-          <a:xfrm flipH="1" flipV="1">
-            <a:off x="5183656" y="1226304"/>
-            <a:ext cx="1048214" cy="1126277"/>
+          <a:xfrm flipV="1">
+            <a:off x="6231870" y="1763486"/>
+            <a:ext cx="751850" cy="589095"/>
           </a:xfrm>
           <a:prstGeom prst="straightConnector1">
             <a:avLst/>
@@ -4506,50 +4414,6 @@
       </p:cxnSp>
       <p:cxnSp>
         <p:nvCxnSpPr>
-          <p:cNvPr id="40" name="直線矢印コネクタ 39">
-            <a:extLst>
-              <a:ext uri="{FF2B5EF4-FFF2-40B4-BE49-F238E27FC236}">
-                <a16:creationId xmlns:a16="http://schemas.microsoft.com/office/drawing/2014/main" id="{2474986E-C203-492C-A8FA-399004599B7F}"/>
-              </a:ext>
-            </a:extLst>
-          </p:cNvPr>
-          <p:cNvCxnSpPr>
-            <a:cxnSpLocks/>
-            <a:stCxn id="21" idx="0"/>
-            <a:endCxn id="18" idx="2"/>
-          </p:cNvCxnSpPr>
-          <p:nvPr/>
-        </p:nvCxnSpPr>
-        <p:spPr>
-          <a:xfrm flipV="1">
-            <a:off x="5430727" y="4505418"/>
-            <a:ext cx="699363" cy="786719"/>
-          </a:xfrm>
-          <a:prstGeom prst="straightConnector1">
-            <a:avLst/>
-          </a:prstGeom>
-          <a:ln>
-            <a:headEnd type="triangle"/>
-            <a:tailEnd type="triangle"/>
-          </a:ln>
-        </p:spPr>
-        <p:style>
-          <a:lnRef idx="3">
-            <a:schemeClr val="accent1"/>
-          </a:lnRef>
-          <a:fillRef idx="0">
-            <a:schemeClr val="accent1"/>
-          </a:fillRef>
-          <a:effectRef idx="2">
-            <a:schemeClr val="accent1"/>
-          </a:effectRef>
-          <a:fontRef idx="minor">
-            <a:schemeClr val="tx1"/>
-          </a:fontRef>
-        </p:style>
-      </p:cxnSp>
-      <p:cxnSp>
-        <p:nvCxnSpPr>
           <p:cNvPr id="100" name="直線矢印コネクタ 99">
             <a:extLst>
               <a:ext uri="{FF2B5EF4-FFF2-40B4-BE49-F238E27FC236}">
@@ -4607,7 +4471,7 @@
         </p:nvCxnSpPr>
         <p:spPr>
           <a:xfrm>
-            <a:off x="7227266" y="1850611"/>
+            <a:off x="7227266" y="2622845"/>
             <a:ext cx="678474" cy="0"/>
           </a:xfrm>
           <a:prstGeom prst="straightConnector1">
@@ -4646,7 +4510,7 @@
         </p:nvSpPr>
         <p:spPr>
           <a:xfrm>
-            <a:off x="8181158" y="1712111"/>
+            <a:off x="8181158" y="2484345"/>
             <a:ext cx="1501140" cy="276999"/>
           </a:xfrm>
           <a:prstGeom prst="rect">
@@ -4683,7 +4547,7 @@
         </p:nvCxnSpPr>
         <p:spPr>
           <a:xfrm>
-            <a:off x="7227266" y="2284951"/>
+            <a:off x="7227266" y="3057185"/>
             <a:ext cx="678474" cy="0"/>
           </a:xfrm>
           <a:prstGeom prst="straightConnector1">
@@ -4722,7 +4586,7 @@
         </p:nvSpPr>
         <p:spPr>
           <a:xfrm>
-            <a:off x="6983720" y="2146452"/>
+            <a:off x="6983720" y="2918686"/>
             <a:ext cx="398156" cy="276999"/>
           </a:xfrm>
           <a:prstGeom prst="rect">
@@ -4758,7 +4622,7 @@
         </p:nvSpPr>
         <p:spPr>
           <a:xfrm>
-            <a:off x="7905740" y="2146452"/>
+            <a:off x="7905740" y="2918686"/>
             <a:ext cx="398156" cy="276999"/>
           </a:xfrm>
           <a:prstGeom prst="rect">
@@ -4794,7 +4658,7 @@
         </p:nvSpPr>
         <p:spPr>
           <a:xfrm>
-            <a:off x="8201478" y="2054118"/>
+            <a:off x="8201478" y="2826352"/>
             <a:ext cx="3524232" cy="461665"/>
           </a:xfrm>
           <a:prstGeom prst="rect">
@@ -4864,6 +4728,404 @@
               <a:t>を知らない</a:t>
             </a:r>
             <a:endParaRPr kumimoji="1" lang="ja-JP" altLang="en-US" sz="1200" dirty="0"/>
+          </a:p>
+        </p:txBody>
+      </p:sp>
+      <p:sp>
+        <p:nvSpPr>
+          <p:cNvPr id="2" name="フローチャート: 磁気ディスク 1">
+            <a:extLst>
+              <a:ext uri="{FF2B5EF4-FFF2-40B4-BE49-F238E27FC236}">
+                <a16:creationId xmlns:a16="http://schemas.microsoft.com/office/drawing/2014/main" id="{AAC4395C-642D-4B7C-ACFF-D3FFDE1B1924}"/>
+              </a:ext>
+            </a:extLst>
+          </p:cNvPr>
+          <p:cNvSpPr/>
+          <p:nvPr/>
+        </p:nvSpPr>
+        <p:spPr>
+          <a:xfrm>
+            <a:off x="6983720" y="1428206"/>
+            <a:ext cx="584029" cy="670560"/>
+          </a:xfrm>
+          <a:prstGeom prst="flowChartMagneticDisk">
+            <a:avLst/>
+          </a:prstGeom>
+        </p:spPr>
+        <p:style>
+          <a:lnRef idx="2">
+            <a:schemeClr val="accent4"/>
+          </a:lnRef>
+          <a:fillRef idx="1">
+            <a:schemeClr val="lt1"/>
+          </a:fillRef>
+          <a:effectRef idx="0">
+            <a:schemeClr val="accent4"/>
+          </a:effectRef>
+          <a:fontRef idx="minor">
+            <a:schemeClr val="dk1"/>
+          </a:fontRef>
+        </p:style>
+        <p:txBody>
+          <a:bodyPr rtlCol="0" anchor="ctr"/>
+          <a:lstStyle/>
+          <a:p>
+            <a:pPr algn="ctr"/>
+            <a:r>
+              <a:rPr kumimoji="1" lang="en-US" altLang="ja-JP" sz="1200" dirty="0"/>
+              <a:t>DB</a:t>
+            </a:r>
+            <a:endParaRPr kumimoji="1" lang="ja-JP" altLang="en-US" sz="1200" dirty="0"/>
+          </a:p>
+        </p:txBody>
+      </p:sp>
+      <p:sp>
+        <p:nvSpPr>
+          <p:cNvPr id="4" name="テキスト ボックス 3">
+            <a:extLst>
+              <a:ext uri="{FF2B5EF4-FFF2-40B4-BE49-F238E27FC236}">
+                <a16:creationId xmlns:a16="http://schemas.microsoft.com/office/drawing/2014/main" id="{55D1E524-19D5-402B-B8CE-DA67B9FA7738}"/>
+              </a:ext>
+            </a:extLst>
+          </p:cNvPr>
+          <p:cNvSpPr txBox="1"/>
+          <p:nvPr/>
+        </p:nvSpPr>
+        <p:spPr>
+          <a:xfrm>
+            <a:off x="3202716" y="664394"/>
+            <a:ext cx="2522064" cy="307777"/>
+          </a:xfrm>
+          <a:prstGeom prst="rect">
+            <a:avLst/>
+          </a:prstGeom>
+          <a:noFill/>
+        </p:spPr>
+        <p:txBody>
+          <a:bodyPr wrap="square" rtlCol="0">
+            <a:spAutoFit/>
+          </a:bodyPr>
+          <a:lstStyle/>
+          <a:p>
+            <a:r>
+              <a:rPr kumimoji="1" lang="en-US" altLang="ja-JP" sz="1400" b="1" dirty="0"/>
+              <a:t>External Interface</a:t>
+            </a:r>
+            <a:endParaRPr kumimoji="1" lang="ja-JP" altLang="en-US" sz="1400" b="1" dirty="0"/>
+          </a:p>
+        </p:txBody>
+      </p:sp>
+      <p:sp>
+        <p:nvSpPr>
+          <p:cNvPr id="32" name="テキスト ボックス 31">
+            <a:extLst>
+              <a:ext uri="{FF2B5EF4-FFF2-40B4-BE49-F238E27FC236}">
+                <a16:creationId xmlns:a16="http://schemas.microsoft.com/office/drawing/2014/main" id="{37DB46C6-6530-48AD-B7D2-B61E63BF7195}"/>
+              </a:ext>
+            </a:extLst>
+          </p:cNvPr>
+          <p:cNvSpPr txBox="1"/>
+          <p:nvPr/>
+        </p:nvSpPr>
+        <p:spPr>
+          <a:xfrm>
+            <a:off x="3202716" y="1413798"/>
+            <a:ext cx="2522064" cy="307777"/>
+          </a:xfrm>
+          <a:prstGeom prst="rect">
+            <a:avLst/>
+          </a:prstGeom>
+          <a:noFill/>
+        </p:spPr>
+        <p:txBody>
+          <a:bodyPr wrap="square" rtlCol="0">
+            <a:spAutoFit/>
+          </a:bodyPr>
+          <a:lstStyle/>
+          <a:p>
+            <a:r>
+              <a:rPr kumimoji="1" lang="en-US" altLang="ja-JP" sz="1400" b="1" dirty="0"/>
+              <a:t>Interface Adapter</a:t>
+            </a:r>
+            <a:endParaRPr kumimoji="1" lang="ja-JP" altLang="en-US" sz="1400" b="1" dirty="0"/>
+          </a:p>
+        </p:txBody>
+      </p:sp>
+      <p:sp>
+        <p:nvSpPr>
+          <p:cNvPr id="33" name="テキスト ボックス 32">
+            <a:extLst>
+              <a:ext uri="{FF2B5EF4-FFF2-40B4-BE49-F238E27FC236}">
+                <a16:creationId xmlns:a16="http://schemas.microsoft.com/office/drawing/2014/main" id="{F2F2C0BC-05AE-4F18-87CB-66453FAF6DC0}"/>
+              </a:ext>
+            </a:extLst>
+          </p:cNvPr>
+          <p:cNvSpPr txBox="1"/>
+          <p:nvPr/>
+        </p:nvSpPr>
+        <p:spPr>
+          <a:xfrm>
+            <a:off x="3202716" y="2192262"/>
+            <a:ext cx="2522064" cy="307777"/>
+          </a:xfrm>
+          <a:prstGeom prst="rect">
+            <a:avLst/>
+          </a:prstGeom>
+          <a:noFill/>
+        </p:spPr>
+        <p:txBody>
+          <a:bodyPr wrap="square" rtlCol="0">
+            <a:spAutoFit/>
+          </a:bodyPr>
+          <a:lstStyle/>
+          <a:p>
+            <a:r>
+              <a:rPr kumimoji="1" lang="en-US" altLang="ja-JP" sz="1400" b="1" dirty="0"/>
+              <a:t>Use case</a:t>
+            </a:r>
+            <a:endParaRPr kumimoji="1" lang="ja-JP" altLang="en-US" sz="1400" b="1" dirty="0"/>
+          </a:p>
+        </p:txBody>
+      </p:sp>
+      <p:sp>
+        <p:nvSpPr>
+          <p:cNvPr id="35" name="テキスト ボックス 34">
+            <a:extLst>
+              <a:ext uri="{FF2B5EF4-FFF2-40B4-BE49-F238E27FC236}">
+                <a16:creationId xmlns:a16="http://schemas.microsoft.com/office/drawing/2014/main" id="{5FE488AE-16C5-4015-AF02-252C0384C68A}"/>
+              </a:ext>
+            </a:extLst>
+          </p:cNvPr>
+          <p:cNvSpPr txBox="1"/>
+          <p:nvPr/>
+        </p:nvSpPr>
+        <p:spPr>
+          <a:xfrm>
+            <a:off x="3202716" y="2937099"/>
+            <a:ext cx="2522064" cy="307777"/>
+          </a:xfrm>
+          <a:prstGeom prst="rect">
+            <a:avLst/>
+          </a:prstGeom>
+          <a:noFill/>
+        </p:spPr>
+        <p:txBody>
+          <a:bodyPr wrap="square" rtlCol="0">
+            <a:spAutoFit/>
+          </a:bodyPr>
+          <a:lstStyle/>
+          <a:p>
+            <a:r>
+              <a:rPr kumimoji="1" lang="en-US" altLang="ja-JP" sz="1400" b="1" dirty="0"/>
+              <a:t>Domain</a:t>
+            </a:r>
+            <a:endParaRPr kumimoji="1" lang="ja-JP" altLang="en-US" sz="1400" b="1" dirty="0"/>
+          </a:p>
+        </p:txBody>
+      </p:sp>
+      <p:sp>
+        <p:nvSpPr>
+          <p:cNvPr id="5" name="スマイル 4">
+            <a:extLst>
+              <a:ext uri="{FF2B5EF4-FFF2-40B4-BE49-F238E27FC236}">
+                <a16:creationId xmlns:a16="http://schemas.microsoft.com/office/drawing/2014/main" id="{BD1163C1-3A5D-47EA-90B6-88DD73266E46}"/>
+              </a:ext>
+            </a:extLst>
+          </p:cNvPr>
+          <p:cNvSpPr/>
+          <p:nvPr/>
+        </p:nvSpPr>
+        <p:spPr>
+          <a:xfrm>
+            <a:off x="7074408" y="4974041"/>
+            <a:ext cx="678474" cy="636192"/>
+          </a:xfrm>
+          <a:prstGeom prst="smileyFace">
+            <a:avLst/>
+          </a:prstGeom>
+        </p:spPr>
+        <p:style>
+          <a:lnRef idx="2">
+            <a:schemeClr val="accent1">
+              <a:shade val="50000"/>
+            </a:schemeClr>
+          </a:lnRef>
+          <a:fillRef idx="1">
+            <a:schemeClr val="accent1"/>
+          </a:fillRef>
+          <a:effectRef idx="0">
+            <a:schemeClr val="accent1"/>
+          </a:effectRef>
+          <a:fontRef idx="minor">
+            <a:schemeClr val="lt1"/>
+          </a:fontRef>
+        </p:style>
+        <p:txBody>
+          <a:bodyPr rtlCol="0" anchor="ctr"/>
+          <a:lstStyle/>
+          <a:p>
+            <a:pPr algn="ctr"/>
+            <a:endParaRPr kumimoji="1" lang="ja-JP" altLang="en-US"/>
+          </a:p>
+        </p:txBody>
+      </p:sp>
+      <p:cxnSp>
+        <p:nvCxnSpPr>
+          <p:cNvPr id="36" name="直線矢印コネクタ 35">
+            <a:extLst>
+              <a:ext uri="{FF2B5EF4-FFF2-40B4-BE49-F238E27FC236}">
+                <a16:creationId xmlns:a16="http://schemas.microsoft.com/office/drawing/2014/main" id="{CCC6D85C-D8AC-4E3A-92F0-F27FE798852E}"/>
+              </a:ext>
+            </a:extLst>
+          </p:cNvPr>
+          <p:cNvCxnSpPr>
+            <a:cxnSpLocks/>
+            <a:stCxn id="5" idx="1"/>
+            <a:endCxn id="18" idx="3"/>
+          </p:cNvCxnSpPr>
+          <p:nvPr/>
+        </p:nvCxnSpPr>
+        <p:spPr>
+          <a:xfrm flipH="1" flipV="1">
+            <a:off x="6454682" y="4390002"/>
+            <a:ext cx="719086" cy="677207"/>
+          </a:xfrm>
+          <a:prstGeom prst="straightConnector1">
+            <a:avLst/>
+          </a:prstGeom>
+          <a:ln>
+            <a:headEnd type="triangle"/>
+            <a:tailEnd type="triangle"/>
+          </a:ln>
+        </p:spPr>
+        <p:style>
+          <a:lnRef idx="3">
+            <a:schemeClr val="accent1"/>
+          </a:lnRef>
+          <a:fillRef idx="0">
+            <a:schemeClr val="accent1"/>
+          </a:fillRef>
+          <a:effectRef idx="2">
+            <a:schemeClr val="accent1"/>
+          </a:effectRef>
+          <a:fontRef idx="minor">
+            <a:schemeClr val="tx1"/>
+          </a:fontRef>
+        </p:style>
+      </p:cxnSp>
+      <p:cxnSp>
+        <p:nvCxnSpPr>
+          <p:cNvPr id="39" name="直線矢印コネクタ 38">
+            <a:extLst>
+              <a:ext uri="{FF2B5EF4-FFF2-40B4-BE49-F238E27FC236}">
+                <a16:creationId xmlns:a16="http://schemas.microsoft.com/office/drawing/2014/main" id="{C5D1EB32-F99A-4243-9FE0-FD438246F10F}"/>
+              </a:ext>
+            </a:extLst>
+          </p:cNvPr>
+          <p:cNvCxnSpPr>
+            <a:cxnSpLocks/>
+            <a:stCxn id="5" idx="2"/>
+            <a:endCxn id="21" idx="3"/>
+          </p:cNvCxnSpPr>
+          <p:nvPr/>
+        </p:nvCxnSpPr>
+        <p:spPr>
+          <a:xfrm flipH="1">
+            <a:off x="5854907" y="5292137"/>
+            <a:ext cx="1219501" cy="115416"/>
+          </a:xfrm>
+          <a:prstGeom prst="straightConnector1">
+            <a:avLst/>
+          </a:prstGeom>
+          <a:ln>
+            <a:headEnd type="triangle"/>
+            <a:tailEnd type="triangle"/>
+          </a:ln>
+        </p:spPr>
+        <p:style>
+          <a:lnRef idx="3">
+            <a:schemeClr val="accent1"/>
+          </a:lnRef>
+          <a:fillRef idx="0">
+            <a:schemeClr val="accent1"/>
+          </a:fillRef>
+          <a:effectRef idx="2">
+            <a:schemeClr val="accent1"/>
+          </a:effectRef>
+          <a:fontRef idx="minor">
+            <a:schemeClr val="tx1"/>
+          </a:fontRef>
+        </p:style>
+      </p:cxnSp>
+      <p:sp>
+        <p:nvSpPr>
+          <p:cNvPr id="23" name="テキスト ボックス 22">
+            <a:extLst>
+              <a:ext uri="{FF2B5EF4-FFF2-40B4-BE49-F238E27FC236}">
+                <a16:creationId xmlns:a16="http://schemas.microsoft.com/office/drawing/2014/main" id="{D6E94899-2820-4A60-A6B7-8195CF0B0222}"/>
+              </a:ext>
+            </a:extLst>
+          </p:cNvPr>
+          <p:cNvSpPr txBox="1"/>
+          <p:nvPr/>
+        </p:nvSpPr>
+        <p:spPr>
+          <a:xfrm>
+            <a:off x="6861796" y="5695404"/>
+            <a:ext cx="1197438" cy="276999"/>
+          </a:xfrm>
+          <a:prstGeom prst="rect">
+            <a:avLst/>
+          </a:prstGeom>
+          <a:noFill/>
+        </p:spPr>
+        <p:txBody>
+          <a:bodyPr wrap="square" rtlCol="0">
+            <a:spAutoFit/>
+          </a:bodyPr>
+          <a:lstStyle/>
+          <a:p>
+            <a:pPr algn="ctr"/>
+            <a:r>
+              <a:rPr kumimoji="1" lang="ja-JP" altLang="en-US" sz="1200" dirty="0"/>
+              <a:t>ユーザー</a:t>
+            </a:r>
+          </a:p>
+        </p:txBody>
+      </p:sp>
+      <p:sp>
+        <p:nvSpPr>
+          <p:cNvPr id="43" name="テキスト ボックス 42">
+            <a:extLst>
+              <a:ext uri="{FF2B5EF4-FFF2-40B4-BE49-F238E27FC236}">
+                <a16:creationId xmlns:a16="http://schemas.microsoft.com/office/drawing/2014/main" id="{010D1126-1123-4496-99A2-092A25C0956E}"/>
+              </a:ext>
+            </a:extLst>
+          </p:cNvPr>
+          <p:cNvSpPr txBox="1"/>
+          <p:nvPr/>
+        </p:nvSpPr>
+        <p:spPr>
+          <a:xfrm>
+            <a:off x="6305471" y="683633"/>
+            <a:ext cx="2522064" cy="307777"/>
+          </a:xfrm>
+          <a:prstGeom prst="rect">
+            <a:avLst/>
+          </a:prstGeom>
+          <a:noFill/>
+        </p:spPr>
+        <p:txBody>
+          <a:bodyPr wrap="square" rtlCol="0">
+            <a:spAutoFit/>
+          </a:bodyPr>
+          <a:lstStyle/>
+          <a:p>
+            <a:r>
+              <a:rPr kumimoji="1" lang="en-US" altLang="ja-JP" sz="1400" b="1" dirty="0"/>
+              <a:t>Out Side</a:t>
+            </a:r>
+            <a:endParaRPr kumimoji="1" lang="ja-JP" altLang="en-US" sz="1400" b="1" dirty="0"/>
           </a:p>
         </p:txBody>
       </p:sp>

--- a/APIアーキテクチャ.pptx
+++ b/APIアーキテクチャ.pptx
@@ -4068,7 +4068,7 @@
         </p:nvSpPr>
         <p:spPr>
           <a:xfrm>
-            <a:off x="5006547" y="5292137"/>
+            <a:off x="7146246" y="4582715"/>
             <a:ext cx="848360" cy="230832"/>
           </a:xfrm>
           <a:prstGeom prst="rect">
@@ -4127,13 +4127,13 @@
         </p:spPr>
         <p:style>
           <a:lnRef idx="2">
-            <a:schemeClr val="accent4"/>
+            <a:schemeClr val="accent5"/>
           </a:lnRef>
           <a:fillRef idx="1">
             <a:schemeClr val="lt1"/>
           </a:fillRef>
           <a:effectRef idx="0">
-            <a:schemeClr val="accent4"/>
+            <a:schemeClr val="accent5"/>
           </a:effectRef>
           <a:fontRef idx="minor">
             <a:schemeClr val="dk1"/>
@@ -4165,15 +4165,15 @@
           </p:cNvPr>
           <p:cNvCxnSpPr>
             <a:cxnSpLocks/>
-            <a:stCxn id="22" idx="0"/>
+            <a:stCxn id="22" idx="3"/>
             <a:endCxn id="2" idx="2"/>
           </p:cNvCxnSpPr>
           <p:nvPr/>
         </p:nvCxnSpPr>
         <p:spPr>
-          <a:xfrm flipV="1">
-            <a:off x="6231870" y="1763486"/>
-            <a:ext cx="751850" cy="589095"/>
+          <a:xfrm>
+            <a:off x="6535031" y="2467997"/>
+            <a:ext cx="1220633" cy="0"/>
           </a:xfrm>
           <a:prstGeom prst="straightConnector1">
             <a:avLst/>
@@ -4455,297 +4455,21 @@
           </a:fontRef>
         </p:style>
       </p:cxnSp>
-      <p:cxnSp>
-        <p:nvCxnSpPr>
-          <p:cNvPr id="107" name="直線矢印コネクタ 106">
-            <a:extLst>
-              <a:ext uri="{FF2B5EF4-FFF2-40B4-BE49-F238E27FC236}">
-                <a16:creationId xmlns:a16="http://schemas.microsoft.com/office/drawing/2014/main" id="{671E2DB6-C52A-4F86-910C-C93819F35A6C}"/>
-              </a:ext>
-            </a:extLst>
-          </p:cNvPr>
-          <p:cNvCxnSpPr>
-            <a:cxnSpLocks/>
-          </p:cNvCxnSpPr>
+      <p:sp>
+        <p:nvSpPr>
+          <p:cNvPr id="2" name="フローチャート: 磁気ディスク 1">
+            <a:extLst>
+              <a:ext uri="{FF2B5EF4-FFF2-40B4-BE49-F238E27FC236}">
+                <a16:creationId xmlns:a16="http://schemas.microsoft.com/office/drawing/2014/main" id="{AAC4395C-642D-4B7C-ACFF-D3FFDE1B1924}"/>
+              </a:ext>
+            </a:extLst>
+          </p:cNvPr>
+          <p:cNvSpPr/>
           <p:nvPr/>
-        </p:nvCxnSpPr>
+        </p:nvSpPr>
         <p:spPr>
           <a:xfrm>
-            <a:off x="7227266" y="2622845"/>
-            <a:ext cx="678474" cy="0"/>
-          </a:xfrm>
-          <a:prstGeom prst="straightConnector1">
-            <a:avLst/>
-          </a:prstGeom>
-          <a:ln>
-            <a:tailEnd type="triangle"/>
-          </a:ln>
-        </p:spPr>
-        <p:style>
-          <a:lnRef idx="3">
-            <a:schemeClr val="accent1"/>
-          </a:lnRef>
-          <a:fillRef idx="0">
-            <a:schemeClr val="accent1"/>
-          </a:fillRef>
-          <a:effectRef idx="2">
-            <a:schemeClr val="accent1"/>
-          </a:effectRef>
-          <a:fontRef idx="minor">
-            <a:schemeClr val="tx1"/>
-          </a:fontRef>
-        </p:style>
-      </p:cxnSp>
-      <p:sp>
-        <p:nvSpPr>
-          <p:cNvPr id="109" name="テキスト ボックス 108">
-            <a:extLst>
-              <a:ext uri="{FF2B5EF4-FFF2-40B4-BE49-F238E27FC236}">
-                <a16:creationId xmlns:a16="http://schemas.microsoft.com/office/drawing/2014/main" id="{A58D6A4E-21C2-4874-AF66-607D6CB61CD9}"/>
-              </a:ext>
-            </a:extLst>
-          </p:cNvPr>
-          <p:cNvSpPr txBox="1"/>
-          <p:nvPr/>
-        </p:nvSpPr>
-        <p:spPr>
-          <a:xfrm>
-            <a:off x="8181158" y="2484345"/>
-            <a:ext cx="1501140" cy="276999"/>
-          </a:xfrm>
-          <a:prstGeom prst="rect">
-            <a:avLst/>
-          </a:prstGeom>
-          <a:noFill/>
-        </p:spPr>
-        <p:txBody>
-          <a:bodyPr wrap="square" rtlCol="0">
-            <a:spAutoFit/>
-          </a:bodyPr>
-          <a:lstStyle/>
-          <a:p>
-            <a:r>
-              <a:rPr kumimoji="1" lang="ja-JP" altLang="en-US" sz="1200" dirty="0"/>
-              <a:t>依存の方向を示す</a:t>
-            </a:r>
-          </a:p>
-        </p:txBody>
-      </p:sp>
-      <p:cxnSp>
-        <p:nvCxnSpPr>
-          <p:cNvPr id="110" name="直線矢印コネクタ 109">
-            <a:extLst>
-              <a:ext uri="{FF2B5EF4-FFF2-40B4-BE49-F238E27FC236}">
-                <a16:creationId xmlns:a16="http://schemas.microsoft.com/office/drawing/2014/main" id="{E9D45A2F-D1D0-46C1-ABB1-702B88B3FCE0}"/>
-              </a:ext>
-            </a:extLst>
-          </p:cNvPr>
-          <p:cNvCxnSpPr>
-            <a:cxnSpLocks/>
-          </p:cNvCxnSpPr>
-          <p:nvPr/>
-        </p:nvCxnSpPr>
-        <p:spPr>
-          <a:xfrm>
-            <a:off x="7227266" y="3057185"/>
-            <a:ext cx="678474" cy="0"/>
-          </a:xfrm>
-          <a:prstGeom prst="straightConnector1">
-            <a:avLst/>
-          </a:prstGeom>
-          <a:ln>
-            <a:tailEnd type="triangle"/>
-          </a:ln>
-        </p:spPr>
-        <p:style>
-          <a:lnRef idx="3">
-            <a:schemeClr val="accent1"/>
-          </a:lnRef>
-          <a:fillRef idx="0">
-            <a:schemeClr val="accent1"/>
-          </a:fillRef>
-          <a:effectRef idx="2">
-            <a:schemeClr val="accent1"/>
-          </a:effectRef>
-          <a:fontRef idx="minor">
-            <a:schemeClr val="tx1"/>
-          </a:fontRef>
-        </p:style>
-      </p:cxnSp>
-      <p:sp>
-        <p:nvSpPr>
-          <p:cNvPr id="111" name="テキスト ボックス 110">
-            <a:extLst>
-              <a:ext uri="{FF2B5EF4-FFF2-40B4-BE49-F238E27FC236}">
-                <a16:creationId xmlns:a16="http://schemas.microsoft.com/office/drawing/2014/main" id="{FCFA8C1F-3B73-4B19-B4B0-331C298CA5D4}"/>
-              </a:ext>
-            </a:extLst>
-          </p:cNvPr>
-          <p:cNvSpPr txBox="1"/>
-          <p:nvPr/>
-        </p:nvSpPr>
-        <p:spPr>
-          <a:xfrm>
-            <a:off x="6983720" y="2918686"/>
-            <a:ext cx="398156" cy="276999"/>
-          </a:xfrm>
-          <a:prstGeom prst="rect">
-            <a:avLst/>
-          </a:prstGeom>
-          <a:noFill/>
-        </p:spPr>
-        <p:txBody>
-          <a:bodyPr wrap="square" rtlCol="0">
-            <a:spAutoFit/>
-          </a:bodyPr>
-          <a:lstStyle/>
-          <a:p>
-            <a:r>
-              <a:rPr kumimoji="1" lang="en-US" altLang="ja-JP" sz="1200" dirty="0"/>
-              <a:t>A</a:t>
-            </a:r>
-            <a:endParaRPr kumimoji="1" lang="ja-JP" altLang="en-US" sz="1200" dirty="0"/>
-          </a:p>
-        </p:txBody>
-      </p:sp>
-      <p:sp>
-        <p:nvSpPr>
-          <p:cNvPr id="112" name="テキスト ボックス 111">
-            <a:extLst>
-              <a:ext uri="{FF2B5EF4-FFF2-40B4-BE49-F238E27FC236}">
-                <a16:creationId xmlns:a16="http://schemas.microsoft.com/office/drawing/2014/main" id="{4AF398B7-24E6-42CA-8567-43D309832B4F}"/>
-              </a:ext>
-            </a:extLst>
-          </p:cNvPr>
-          <p:cNvSpPr txBox="1"/>
-          <p:nvPr/>
-        </p:nvSpPr>
-        <p:spPr>
-          <a:xfrm>
-            <a:off x="7905740" y="2918686"/>
-            <a:ext cx="398156" cy="276999"/>
-          </a:xfrm>
-          <a:prstGeom prst="rect">
-            <a:avLst/>
-          </a:prstGeom>
-          <a:noFill/>
-        </p:spPr>
-        <p:txBody>
-          <a:bodyPr wrap="square" rtlCol="0">
-            <a:spAutoFit/>
-          </a:bodyPr>
-          <a:lstStyle/>
-          <a:p>
-            <a:r>
-              <a:rPr kumimoji="1" lang="en-US" altLang="ja-JP" sz="1200" dirty="0"/>
-              <a:t>B</a:t>
-            </a:r>
-            <a:endParaRPr kumimoji="1" lang="ja-JP" altLang="en-US" sz="1200" dirty="0"/>
-          </a:p>
-        </p:txBody>
-      </p:sp>
-      <p:sp>
-        <p:nvSpPr>
-          <p:cNvPr id="113" name="テキスト ボックス 112">
-            <a:extLst>
-              <a:ext uri="{FF2B5EF4-FFF2-40B4-BE49-F238E27FC236}">
-                <a16:creationId xmlns:a16="http://schemas.microsoft.com/office/drawing/2014/main" id="{ED987DFC-D70C-4462-9A23-DC701E8CEC15}"/>
-              </a:ext>
-            </a:extLst>
-          </p:cNvPr>
-          <p:cNvSpPr txBox="1"/>
-          <p:nvPr/>
-        </p:nvSpPr>
-        <p:spPr>
-          <a:xfrm>
-            <a:off x="8201478" y="2826352"/>
-            <a:ext cx="3524232" cy="461665"/>
-          </a:xfrm>
-          <a:prstGeom prst="rect">
-            <a:avLst/>
-          </a:prstGeom>
-          <a:noFill/>
-        </p:spPr>
-        <p:txBody>
-          <a:bodyPr wrap="square" rtlCol="0">
-            <a:spAutoFit/>
-          </a:bodyPr>
-          <a:lstStyle/>
-          <a:p>
-            <a:r>
-              <a:rPr kumimoji="1" lang="en-US" altLang="ja-JP" sz="1200" dirty="0"/>
-              <a:t>A</a:t>
-            </a:r>
-            <a:r>
-              <a:rPr kumimoji="1" lang="ja-JP" altLang="en-US" sz="1200" dirty="0"/>
-              <a:t>は</a:t>
-            </a:r>
-            <a:r>
-              <a:rPr kumimoji="1" lang="en-US" altLang="ja-JP" sz="1200" dirty="0"/>
-              <a:t>B</a:t>
-            </a:r>
-            <a:r>
-              <a:rPr kumimoji="1" lang="ja-JP" altLang="en-US" sz="1200" dirty="0"/>
-              <a:t>に依存している</a:t>
-            </a:r>
-            <a:endParaRPr kumimoji="1" lang="en-US" altLang="ja-JP" sz="1200" dirty="0"/>
-          </a:p>
-          <a:p>
-            <a:r>
-              <a:rPr kumimoji="1" lang="ja-JP" altLang="en-US" sz="1200" dirty="0"/>
-              <a:t>　≒　</a:t>
-            </a:r>
-            <a:r>
-              <a:rPr kumimoji="1" lang="en-US" altLang="ja-JP" sz="1200" dirty="0"/>
-              <a:t>A</a:t>
-            </a:r>
-            <a:r>
-              <a:rPr kumimoji="1" lang="ja-JP" altLang="en-US" sz="1200" dirty="0"/>
-              <a:t>は</a:t>
-            </a:r>
-            <a:r>
-              <a:rPr kumimoji="1" lang="en-US" altLang="ja-JP" sz="1200" dirty="0"/>
-              <a:t>B</a:t>
-            </a:r>
-            <a:r>
-              <a:rPr lang="ja-JP" altLang="en-US" sz="1200" dirty="0"/>
-              <a:t>を知っている。</a:t>
-            </a:r>
-            <a:r>
-              <a:rPr lang="en-US" altLang="ja-JP" sz="1200" dirty="0"/>
-              <a:t>B</a:t>
-            </a:r>
-            <a:r>
-              <a:rPr lang="ja-JP" altLang="en-US" sz="1200" dirty="0"/>
-              <a:t>は</a:t>
-            </a:r>
-            <a:r>
-              <a:rPr lang="en-US" altLang="ja-JP" sz="1200" dirty="0"/>
-              <a:t>A</a:t>
-            </a:r>
-            <a:r>
-              <a:rPr lang="ja-JP" altLang="en-US" sz="1200" dirty="0"/>
-              <a:t>を知らない</a:t>
-            </a:r>
-            <a:endParaRPr kumimoji="1" lang="ja-JP" altLang="en-US" sz="1200" dirty="0"/>
-          </a:p>
-        </p:txBody>
-      </p:sp>
-      <p:sp>
-        <p:nvSpPr>
-          <p:cNvPr id="2" name="フローチャート: 磁気ディスク 1">
-            <a:extLst>
-              <a:ext uri="{FF2B5EF4-FFF2-40B4-BE49-F238E27FC236}">
-                <a16:creationId xmlns:a16="http://schemas.microsoft.com/office/drawing/2014/main" id="{AAC4395C-642D-4B7C-ACFF-D3FFDE1B1924}"/>
-              </a:ext>
-            </a:extLst>
-          </p:cNvPr>
-          <p:cNvSpPr/>
-          <p:nvPr/>
-        </p:nvSpPr>
-        <p:spPr>
-          <a:xfrm>
-            <a:off x="6983720" y="1428206"/>
+            <a:off x="7755664" y="2132717"/>
             <a:ext cx="584029" cy="670560"/>
           </a:xfrm>
           <a:prstGeom prst="flowChartMagneticDisk">
@@ -4793,7 +4517,7 @@
         </p:nvSpPr>
         <p:spPr>
           <a:xfrm>
-            <a:off x="3202716" y="664394"/>
+            <a:off x="2506026" y="664394"/>
             <a:ext cx="2522064" cy="307777"/>
           </a:xfrm>
           <a:prstGeom prst="rect">
@@ -4807,6 +4531,7 @@
           </a:bodyPr>
           <a:lstStyle/>
           <a:p>
+            <a:pPr algn="ctr"/>
             <a:r>
               <a:rPr kumimoji="1" lang="en-US" altLang="ja-JP" sz="1400" b="1" dirty="0"/>
               <a:t>External Interface</a:t>
@@ -4829,7 +4554,7 @@
         </p:nvSpPr>
         <p:spPr>
           <a:xfrm>
-            <a:off x="3202716" y="1413798"/>
+            <a:off x="2506026" y="1413798"/>
             <a:ext cx="2522064" cy="307777"/>
           </a:xfrm>
           <a:prstGeom prst="rect">
@@ -4843,6 +4568,7 @@
           </a:bodyPr>
           <a:lstStyle/>
           <a:p>
+            <a:pPr algn="ctr"/>
             <a:r>
               <a:rPr kumimoji="1" lang="en-US" altLang="ja-JP" sz="1400" b="1" dirty="0"/>
               <a:t>Interface Adapter</a:t>
@@ -4865,7 +4591,7 @@
         </p:nvSpPr>
         <p:spPr>
           <a:xfrm>
-            <a:off x="3202716" y="2192262"/>
+            <a:off x="2506026" y="2192262"/>
             <a:ext cx="2522064" cy="307777"/>
           </a:xfrm>
           <a:prstGeom prst="rect">
@@ -4879,6 +4605,7 @@
           </a:bodyPr>
           <a:lstStyle/>
           <a:p>
+            <a:pPr algn="ctr"/>
             <a:r>
               <a:rPr kumimoji="1" lang="en-US" altLang="ja-JP" sz="1400" b="1" dirty="0"/>
               <a:t>Use case</a:t>
@@ -4901,7 +4628,7 @@
         </p:nvSpPr>
         <p:spPr>
           <a:xfrm>
-            <a:off x="3202716" y="2937099"/>
+            <a:off x="2506026" y="2937099"/>
             <a:ext cx="2522064" cy="307777"/>
           </a:xfrm>
           <a:prstGeom prst="rect">
@@ -4915,6 +4642,7 @@
           </a:bodyPr>
           <a:lstStyle/>
           <a:p>
+            <a:pPr algn="ctr"/>
             <a:r>
               <a:rPr kumimoji="1" lang="en-US" altLang="ja-JP" sz="1400" b="1" dirty="0"/>
               <a:t>Domain</a:t>
@@ -4937,7 +4665,7 @@
         </p:nvSpPr>
         <p:spPr>
           <a:xfrm>
-            <a:off x="7074408" y="4974041"/>
+            <a:off x="8874762" y="4142675"/>
             <a:ext cx="678474" cy="636192"/>
           </a:xfrm>
           <a:prstGeom prst="smileyFace">
@@ -4980,15 +4708,15 @@
           </p:cNvPr>
           <p:cNvCxnSpPr>
             <a:cxnSpLocks/>
-            <a:stCxn id="5" idx="1"/>
+            <a:stCxn id="42" idx="1"/>
             <a:endCxn id="18" idx="3"/>
           </p:cNvCxnSpPr>
           <p:nvPr/>
         </p:nvCxnSpPr>
         <p:spPr>
-          <a:xfrm flipH="1" flipV="1">
-            <a:off x="6454682" y="4390002"/>
-            <a:ext cx="719086" cy="677207"/>
+          <a:xfrm flipH="1">
+            <a:off x="6454682" y="4174558"/>
+            <a:ext cx="691564" cy="215444"/>
           </a:xfrm>
           <a:prstGeom prst="straightConnector1">
             <a:avLst/>
@@ -5031,8 +4759,8 @@
         </p:nvCxnSpPr>
         <p:spPr>
           <a:xfrm flipH="1">
-            <a:off x="5854907" y="5292137"/>
-            <a:ext cx="1219501" cy="115416"/>
+            <a:off x="7994606" y="4460771"/>
+            <a:ext cx="880156" cy="237360"/>
           </a:xfrm>
           <a:prstGeom prst="straightConnector1">
             <a:avLst/>
@@ -5071,7 +4799,7 @@
         </p:nvSpPr>
         <p:spPr>
           <a:xfrm>
-            <a:off x="6861796" y="5695404"/>
+            <a:off x="8693657" y="4805985"/>
             <a:ext cx="1197438" cy="276999"/>
           </a:xfrm>
           <a:prstGeom prst="rect">
@@ -5107,8 +4835,8 @@
         </p:nvSpPr>
         <p:spPr>
           <a:xfrm>
-            <a:off x="6305471" y="683633"/>
-            <a:ext cx="2522064" cy="307777"/>
+            <a:off x="7223774" y="303833"/>
+            <a:ext cx="2522064" cy="400110"/>
           </a:xfrm>
           <a:prstGeom prst="rect">
             <a:avLst/>
@@ -5122,10 +4850,611 @@
           <a:lstStyle/>
           <a:p>
             <a:r>
-              <a:rPr kumimoji="1" lang="en-US" altLang="ja-JP" sz="1400" b="1" dirty="0"/>
+              <a:rPr kumimoji="1" lang="en-US" altLang="ja-JP" sz="2000" b="1" u="sng" dirty="0"/>
               <a:t>Out Side</a:t>
             </a:r>
-            <a:endParaRPr kumimoji="1" lang="ja-JP" altLang="en-US" sz="1400" b="1" dirty="0"/>
+            <a:endParaRPr kumimoji="1" lang="ja-JP" altLang="en-US" sz="2000" b="1" u="sng" dirty="0"/>
+          </a:p>
+        </p:txBody>
+      </p:sp>
+      <p:cxnSp>
+        <p:nvCxnSpPr>
+          <p:cNvPr id="40" name="直線矢印コネクタ 39">
+            <a:extLst>
+              <a:ext uri="{FF2B5EF4-FFF2-40B4-BE49-F238E27FC236}">
+                <a16:creationId xmlns:a16="http://schemas.microsoft.com/office/drawing/2014/main" id="{55162689-8358-4650-8BC3-678B4DCD08FC}"/>
+              </a:ext>
+            </a:extLst>
+          </p:cNvPr>
+          <p:cNvCxnSpPr>
+            <a:cxnSpLocks/>
+            <a:stCxn id="21" idx="1"/>
+            <a:endCxn id="18" idx="3"/>
+          </p:cNvCxnSpPr>
+          <p:nvPr/>
+        </p:nvCxnSpPr>
+        <p:spPr>
+          <a:xfrm flipH="1" flipV="1">
+            <a:off x="6454682" y="4390002"/>
+            <a:ext cx="691564" cy="308129"/>
+          </a:xfrm>
+          <a:prstGeom prst="straightConnector1">
+            <a:avLst/>
+          </a:prstGeom>
+          <a:ln>
+            <a:headEnd type="triangle"/>
+            <a:tailEnd type="triangle"/>
+          </a:ln>
+        </p:spPr>
+        <p:style>
+          <a:lnRef idx="3">
+            <a:schemeClr val="accent1"/>
+          </a:lnRef>
+          <a:fillRef idx="0">
+            <a:schemeClr val="accent1"/>
+          </a:fillRef>
+          <a:effectRef idx="2">
+            <a:schemeClr val="accent1"/>
+          </a:effectRef>
+          <a:fontRef idx="minor">
+            <a:schemeClr val="tx1"/>
+          </a:fontRef>
+        </p:style>
+      </p:cxnSp>
+      <p:sp>
+        <p:nvSpPr>
+          <p:cNvPr id="42" name="テキスト ボックス 41">
+            <a:extLst>
+              <a:ext uri="{FF2B5EF4-FFF2-40B4-BE49-F238E27FC236}">
+                <a16:creationId xmlns:a16="http://schemas.microsoft.com/office/drawing/2014/main" id="{9FA8A366-AEAB-44DA-99A5-F18FD017047F}"/>
+              </a:ext>
+            </a:extLst>
+          </p:cNvPr>
+          <p:cNvSpPr txBox="1"/>
+          <p:nvPr/>
+        </p:nvSpPr>
+        <p:spPr>
+          <a:xfrm>
+            <a:off x="7146246" y="4059142"/>
+            <a:ext cx="848360" cy="230832"/>
+          </a:xfrm>
+          <a:prstGeom prst="rect">
+            <a:avLst/>
+          </a:prstGeom>
+        </p:spPr>
+        <p:style>
+          <a:lnRef idx="2">
+            <a:schemeClr val="accent4"/>
+          </a:lnRef>
+          <a:fillRef idx="1">
+            <a:schemeClr val="lt1"/>
+          </a:fillRef>
+          <a:effectRef idx="0">
+            <a:schemeClr val="accent4"/>
+          </a:effectRef>
+          <a:fontRef idx="minor">
+            <a:schemeClr val="dk1"/>
+          </a:fontRef>
+        </p:style>
+        <p:txBody>
+          <a:bodyPr wrap="square" rtlCol="0">
+            <a:spAutoFit/>
+          </a:bodyPr>
+          <a:lstStyle/>
+          <a:p>
+            <a:pPr algn="ctr"/>
+            <a:r>
+              <a:rPr lang="en-US" altLang="ja-JP" sz="900" dirty="0"/>
+              <a:t>Bat</a:t>
+            </a:r>
+            <a:endParaRPr kumimoji="1" lang="ja-JP" altLang="en-US" sz="900" dirty="0"/>
+          </a:p>
+        </p:txBody>
+      </p:sp>
+      <p:cxnSp>
+        <p:nvCxnSpPr>
+          <p:cNvPr id="44" name="直線矢印コネクタ 43">
+            <a:extLst>
+              <a:ext uri="{FF2B5EF4-FFF2-40B4-BE49-F238E27FC236}">
+                <a16:creationId xmlns:a16="http://schemas.microsoft.com/office/drawing/2014/main" id="{B376F802-7BCB-46DB-ABE4-E1BF72368131}"/>
+              </a:ext>
+            </a:extLst>
+          </p:cNvPr>
+          <p:cNvCxnSpPr>
+            <a:cxnSpLocks/>
+            <a:stCxn id="5" idx="2"/>
+            <a:endCxn id="42" idx="3"/>
+          </p:cNvCxnSpPr>
+          <p:nvPr/>
+        </p:nvCxnSpPr>
+        <p:spPr>
+          <a:xfrm flipH="1" flipV="1">
+            <a:off x="7994606" y="4174558"/>
+            <a:ext cx="880156" cy="286213"/>
+          </a:xfrm>
+          <a:prstGeom prst="straightConnector1">
+            <a:avLst/>
+          </a:prstGeom>
+          <a:ln>
+            <a:headEnd type="triangle"/>
+            <a:tailEnd type="triangle"/>
+          </a:ln>
+        </p:spPr>
+        <p:style>
+          <a:lnRef idx="3">
+            <a:schemeClr val="accent1"/>
+          </a:lnRef>
+          <a:fillRef idx="0">
+            <a:schemeClr val="accent1"/>
+          </a:fillRef>
+          <a:effectRef idx="2">
+            <a:schemeClr val="accent1"/>
+          </a:effectRef>
+          <a:fontRef idx="minor">
+            <a:schemeClr val="tx1"/>
+          </a:fontRef>
+        </p:style>
+      </p:cxnSp>
+      <p:grpSp>
+        <p:nvGrpSpPr>
+          <p:cNvPr id="61" name="グループ化 60">
+            <a:extLst>
+              <a:ext uri="{FF2B5EF4-FFF2-40B4-BE49-F238E27FC236}">
+                <a16:creationId xmlns:a16="http://schemas.microsoft.com/office/drawing/2014/main" id="{B2586A15-AC65-4BF0-9656-8B15E33D94D1}"/>
+              </a:ext>
+            </a:extLst>
+          </p:cNvPr>
+          <p:cNvGrpSpPr/>
+          <p:nvPr/>
+        </p:nvGrpSpPr>
+        <p:grpSpPr>
+          <a:xfrm>
+            <a:off x="7271657" y="5277394"/>
+            <a:ext cx="4850679" cy="1247085"/>
+            <a:chOff x="6535031" y="5277394"/>
+            <a:chExt cx="5204123" cy="1247085"/>
+          </a:xfrm>
+        </p:grpSpPr>
+        <p:cxnSp>
+          <p:nvCxnSpPr>
+            <p:cNvPr id="107" name="直線矢印コネクタ 106">
+              <a:extLst>
+                <a:ext uri="{FF2B5EF4-FFF2-40B4-BE49-F238E27FC236}">
+                  <a16:creationId xmlns:a16="http://schemas.microsoft.com/office/drawing/2014/main" id="{671E2DB6-C52A-4F86-910C-C93819F35A6C}"/>
+                </a:ext>
+              </a:extLst>
+            </p:cNvPr>
+            <p:cNvCxnSpPr>
+              <a:cxnSpLocks/>
+            </p:cNvCxnSpPr>
+            <p:nvPr/>
+          </p:nvCxnSpPr>
+          <p:spPr>
+            <a:xfrm>
+              <a:off x="7098773" y="5739676"/>
+              <a:ext cx="678474" cy="0"/>
+            </a:xfrm>
+            <a:prstGeom prst="straightConnector1">
+              <a:avLst/>
+            </a:prstGeom>
+            <a:ln>
+              <a:tailEnd type="triangle"/>
+            </a:ln>
+          </p:spPr>
+          <p:style>
+            <a:lnRef idx="3">
+              <a:schemeClr val="accent1"/>
+            </a:lnRef>
+            <a:fillRef idx="0">
+              <a:schemeClr val="accent1"/>
+            </a:fillRef>
+            <a:effectRef idx="2">
+              <a:schemeClr val="accent1"/>
+            </a:effectRef>
+            <a:fontRef idx="minor">
+              <a:schemeClr val="tx1"/>
+            </a:fontRef>
+          </p:style>
+        </p:cxnSp>
+        <p:sp>
+          <p:nvSpPr>
+            <p:cNvPr id="109" name="テキスト ボックス 108">
+              <a:extLst>
+                <a:ext uri="{FF2B5EF4-FFF2-40B4-BE49-F238E27FC236}">
+                  <a16:creationId xmlns:a16="http://schemas.microsoft.com/office/drawing/2014/main" id="{A58D6A4E-21C2-4874-AF66-607D6CB61CD9}"/>
+                </a:ext>
+              </a:extLst>
+            </p:cNvPr>
+            <p:cNvSpPr txBox="1"/>
+            <p:nvPr/>
+          </p:nvSpPr>
+          <p:spPr>
+            <a:xfrm>
+              <a:off x="8052665" y="5601177"/>
+              <a:ext cx="1911292" cy="276999"/>
+            </a:xfrm>
+            <a:prstGeom prst="rect">
+              <a:avLst/>
+            </a:prstGeom>
+            <a:noFill/>
+          </p:spPr>
+          <p:txBody>
+            <a:bodyPr wrap="square" rtlCol="0">
+              <a:spAutoFit/>
+            </a:bodyPr>
+            <a:lstStyle/>
+            <a:p>
+              <a:r>
+                <a:rPr kumimoji="1" lang="ja-JP" altLang="en-US" sz="1200" dirty="0"/>
+                <a:t>依存の方向を示す</a:t>
+              </a:r>
+            </a:p>
+          </p:txBody>
+        </p:sp>
+        <p:cxnSp>
+          <p:nvCxnSpPr>
+            <p:cNvPr id="110" name="直線矢印コネクタ 109">
+              <a:extLst>
+                <a:ext uri="{FF2B5EF4-FFF2-40B4-BE49-F238E27FC236}">
+                  <a16:creationId xmlns:a16="http://schemas.microsoft.com/office/drawing/2014/main" id="{E9D45A2F-D1D0-46C1-ABB1-702B88B3FCE0}"/>
+                </a:ext>
+              </a:extLst>
+            </p:cNvPr>
+            <p:cNvCxnSpPr>
+              <a:cxnSpLocks/>
+            </p:cNvCxnSpPr>
+            <p:nvPr/>
+          </p:nvCxnSpPr>
+          <p:spPr>
+            <a:xfrm>
+              <a:off x="7098773" y="6174016"/>
+              <a:ext cx="678474" cy="0"/>
+            </a:xfrm>
+            <a:prstGeom prst="straightConnector1">
+              <a:avLst/>
+            </a:prstGeom>
+            <a:ln>
+              <a:tailEnd type="triangle"/>
+            </a:ln>
+          </p:spPr>
+          <p:style>
+            <a:lnRef idx="3">
+              <a:schemeClr val="accent1"/>
+            </a:lnRef>
+            <a:fillRef idx="0">
+              <a:schemeClr val="accent1"/>
+            </a:fillRef>
+            <a:effectRef idx="2">
+              <a:schemeClr val="accent1"/>
+            </a:effectRef>
+            <a:fontRef idx="minor">
+              <a:schemeClr val="tx1"/>
+            </a:fontRef>
+          </p:style>
+        </p:cxnSp>
+        <p:sp>
+          <p:nvSpPr>
+            <p:cNvPr id="111" name="テキスト ボックス 110">
+              <a:extLst>
+                <a:ext uri="{FF2B5EF4-FFF2-40B4-BE49-F238E27FC236}">
+                  <a16:creationId xmlns:a16="http://schemas.microsoft.com/office/drawing/2014/main" id="{FCFA8C1F-3B73-4B19-B4B0-331C298CA5D4}"/>
+                </a:ext>
+              </a:extLst>
+            </p:cNvPr>
+            <p:cNvSpPr txBox="1"/>
+            <p:nvPr/>
+          </p:nvSpPr>
+          <p:spPr>
+            <a:xfrm>
+              <a:off x="6855227" y="6035517"/>
+              <a:ext cx="398156" cy="276999"/>
+            </a:xfrm>
+            <a:prstGeom prst="rect">
+              <a:avLst/>
+            </a:prstGeom>
+            <a:noFill/>
+          </p:spPr>
+          <p:txBody>
+            <a:bodyPr wrap="square" rtlCol="0">
+              <a:spAutoFit/>
+            </a:bodyPr>
+            <a:lstStyle/>
+            <a:p>
+              <a:r>
+                <a:rPr kumimoji="1" lang="en-US" altLang="ja-JP" sz="1200" dirty="0"/>
+                <a:t>A</a:t>
+              </a:r>
+              <a:endParaRPr kumimoji="1" lang="ja-JP" altLang="en-US" sz="1200" dirty="0"/>
+            </a:p>
+          </p:txBody>
+        </p:sp>
+        <p:sp>
+          <p:nvSpPr>
+            <p:cNvPr id="112" name="テキスト ボックス 111">
+              <a:extLst>
+                <a:ext uri="{FF2B5EF4-FFF2-40B4-BE49-F238E27FC236}">
+                  <a16:creationId xmlns:a16="http://schemas.microsoft.com/office/drawing/2014/main" id="{4AF398B7-24E6-42CA-8567-43D309832B4F}"/>
+                </a:ext>
+              </a:extLst>
+            </p:cNvPr>
+            <p:cNvSpPr txBox="1"/>
+            <p:nvPr/>
+          </p:nvSpPr>
+          <p:spPr>
+            <a:xfrm>
+              <a:off x="7777247" y="6035517"/>
+              <a:ext cx="398156" cy="276999"/>
+            </a:xfrm>
+            <a:prstGeom prst="rect">
+              <a:avLst/>
+            </a:prstGeom>
+            <a:noFill/>
+          </p:spPr>
+          <p:txBody>
+            <a:bodyPr wrap="square" rtlCol="0">
+              <a:spAutoFit/>
+            </a:bodyPr>
+            <a:lstStyle/>
+            <a:p>
+              <a:r>
+                <a:rPr kumimoji="1" lang="en-US" altLang="ja-JP" sz="1200" dirty="0"/>
+                <a:t>B</a:t>
+              </a:r>
+              <a:endParaRPr kumimoji="1" lang="ja-JP" altLang="en-US" sz="1200" dirty="0"/>
+            </a:p>
+          </p:txBody>
+        </p:sp>
+        <p:sp>
+          <p:nvSpPr>
+            <p:cNvPr id="113" name="テキスト ボックス 112">
+              <a:extLst>
+                <a:ext uri="{FF2B5EF4-FFF2-40B4-BE49-F238E27FC236}">
+                  <a16:creationId xmlns:a16="http://schemas.microsoft.com/office/drawing/2014/main" id="{ED987DFC-D70C-4462-9A23-DC701E8CEC15}"/>
+                </a:ext>
+              </a:extLst>
+            </p:cNvPr>
+            <p:cNvSpPr txBox="1"/>
+            <p:nvPr/>
+          </p:nvSpPr>
+          <p:spPr>
+            <a:xfrm>
+              <a:off x="8072985" y="5943183"/>
+              <a:ext cx="3524232" cy="461665"/>
+            </a:xfrm>
+            <a:prstGeom prst="rect">
+              <a:avLst/>
+            </a:prstGeom>
+            <a:noFill/>
+          </p:spPr>
+          <p:txBody>
+            <a:bodyPr wrap="square" rtlCol="0">
+              <a:spAutoFit/>
+            </a:bodyPr>
+            <a:lstStyle/>
+            <a:p>
+              <a:r>
+                <a:rPr kumimoji="1" lang="en-US" altLang="ja-JP" sz="1200" dirty="0"/>
+                <a:t>A</a:t>
+              </a:r>
+              <a:r>
+                <a:rPr kumimoji="1" lang="ja-JP" altLang="en-US" sz="1200" dirty="0"/>
+                <a:t>は</a:t>
+              </a:r>
+              <a:r>
+                <a:rPr kumimoji="1" lang="en-US" altLang="ja-JP" sz="1200" dirty="0"/>
+                <a:t>B</a:t>
+              </a:r>
+              <a:r>
+                <a:rPr kumimoji="1" lang="ja-JP" altLang="en-US" sz="1200" dirty="0"/>
+                <a:t>に依存している</a:t>
+              </a:r>
+              <a:endParaRPr kumimoji="1" lang="en-US" altLang="ja-JP" sz="1200" dirty="0"/>
+            </a:p>
+            <a:p>
+              <a:r>
+                <a:rPr kumimoji="1" lang="ja-JP" altLang="en-US" sz="1200" dirty="0"/>
+                <a:t>　≒　</a:t>
+              </a:r>
+              <a:r>
+                <a:rPr kumimoji="1" lang="en-US" altLang="ja-JP" sz="1200" dirty="0"/>
+                <a:t>A</a:t>
+              </a:r>
+              <a:r>
+                <a:rPr kumimoji="1" lang="ja-JP" altLang="en-US" sz="1200" dirty="0"/>
+                <a:t>は</a:t>
+              </a:r>
+              <a:r>
+                <a:rPr kumimoji="1" lang="en-US" altLang="ja-JP" sz="1200" dirty="0"/>
+                <a:t>B</a:t>
+              </a:r>
+              <a:r>
+                <a:rPr lang="ja-JP" altLang="en-US" sz="1200" dirty="0"/>
+                <a:t>を知っている。</a:t>
+              </a:r>
+              <a:r>
+                <a:rPr lang="en-US" altLang="ja-JP" sz="1200" dirty="0"/>
+                <a:t>B</a:t>
+              </a:r>
+              <a:r>
+                <a:rPr lang="ja-JP" altLang="en-US" sz="1200" dirty="0"/>
+                <a:t>は</a:t>
+              </a:r>
+              <a:r>
+                <a:rPr lang="en-US" altLang="ja-JP" sz="1200" dirty="0"/>
+                <a:t>A</a:t>
+              </a:r>
+              <a:r>
+                <a:rPr lang="ja-JP" altLang="en-US" sz="1200" dirty="0"/>
+                <a:t>を知らない</a:t>
+              </a:r>
+              <a:endParaRPr kumimoji="1" lang="ja-JP" altLang="en-US" sz="1200" dirty="0"/>
+            </a:p>
+          </p:txBody>
+        </p:sp>
+        <p:sp>
+          <p:nvSpPr>
+            <p:cNvPr id="60" name="正方形/長方形 59">
+              <a:extLst>
+                <a:ext uri="{FF2B5EF4-FFF2-40B4-BE49-F238E27FC236}">
+                  <a16:creationId xmlns:a16="http://schemas.microsoft.com/office/drawing/2014/main" id="{9E1A9D86-6413-43C1-8FA1-D86928A4055D}"/>
+                </a:ext>
+              </a:extLst>
+            </p:cNvPr>
+            <p:cNvSpPr/>
+            <p:nvPr/>
+          </p:nvSpPr>
+          <p:spPr>
+            <a:xfrm>
+              <a:off x="6535031" y="5277394"/>
+              <a:ext cx="5204123" cy="1247085"/>
+            </a:xfrm>
+            <a:prstGeom prst="rect">
+              <a:avLst/>
+            </a:prstGeom>
+            <a:noFill/>
+          </p:spPr>
+          <p:style>
+            <a:lnRef idx="2">
+              <a:schemeClr val="accent1">
+                <a:shade val="50000"/>
+              </a:schemeClr>
+            </a:lnRef>
+            <a:fillRef idx="1">
+              <a:schemeClr val="accent1"/>
+            </a:fillRef>
+            <a:effectRef idx="0">
+              <a:schemeClr val="accent1"/>
+            </a:effectRef>
+            <a:fontRef idx="minor">
+              <a:schemeClr val="lt1"/>
+            </a:fontRef>
+          </p:style>
+          <p:txBody>
+            <a:bodyPr rtlCol="0" anchor="ctr"/>
+            <a:lstStyle/>
+            <a:p>
+              <a:pPr algn="ctr"/>
+              <a:endParaRPr kumimoji="1" lang="ja-JP" altLang="en-US"/>
+            </a:p>
+          </p:txBody>
+        </p:sp>
+        <p:sp>
+          <p:nvSpPr>
+            <p:cNvPr id="68" name="テキスト ボックス 67">
+              <a:extLst>
+                <a:ext uri="{FF2B5EF4-FFF2-40B4-BE49-F238E27FC236}">
+                  <a16:creationId xmlns:a16="http://schemas.microsoft.com/office/drawing/2014/main" id="{59A2FFBD-445E-4C95-BF97-A5CCDAAE394F}"/>
+                </a:ext>
+              </a:extLst>
+            </p:cNvPr>
+            <p:cNvSpPr txBox="1"/>
+            <p:nvPr/>
+          </p:nvSpPr>
+          <p:spPr>
+            <a:xfrm>
+              <a:off x="6575545" y="5304731"/>
+              <a:ext cx="2522064" cy="307777"/>
+            </a:xfrm>
+            <a:prstGeom prst="rect">
+              <a:avLst/>
+            </a:prstGeom>
+            <a:noFill/>
+          </p:spPr>
+          <p:txBody>
+            <a:bodyPr wrap="square" rtlCol="0">
+              <a:spAutoFit/>
+            </a:bodyPr>
+            <a:lstStyle/>
+            <a:p>
+              <a:r>
+                <a:rPr kumimoji="1" lang="ja-JP" altLang="en-US" sz="1400" b="1" dirty="0"/>
+                <a:t>各層間の依存関係の意味</a:t>
+              </a:r>
+            </a:p>
+          </p:txBody>
+        </p:sp>
+      </p:grpSp>
+      <p:sp>
+        <p:nvSpPr>
+          <p:cNvPr id="69" name="テキスト ボックス 68">
+            <a:extLst>
+              <a:ext uri="{FF2B5EF4-FFF2-40B4-BE49-F238E27FC236}">
+                <a16:creationId xmlns:a16="http://schemas.microsoft.com/office/drawing/2014/main" id="{835E00B9-7658-4CD7-B3A4-EA6C3B9D391F}"/>
+              </a:ext>
+            </a:extLst>
+          </p:cNvPr>
+          <p:cNvSpPr txBox="1"/>
+          <p:nvPr/>
+        </p:nvSpPr>
+        <p:spPr>
+          <a:xfrm>
+            <a:off x="680652" y="283873"/>
+            <a:ext cx="2522064" cy="400110"/>
+          </a:xfrm>
+          <a:prstGeom prst="rect">
+            <a:avLst/>
+          </a:prstGeom>
+          <a:noFill/>
+        </p:spPr>
+        <p:txBody>
+          <a:bodyPr wrap="square" rtlCol="0">
+            <a:spAutoFit/>
+          </a:bodyPr>
+          <a:lstStyle/>
+          <a:p>
+            <a:r>
+              <a:rPr kumimoji="1" lang="en-US" altLang="ja-JP" sz="2000" b="1" u="sng" dirty="0"/>
+              <a:t>API</a:t>
+            </a:r>
+            <a:endParaRPr kumimoji="1" lang="ja-JP" altLang="en-US" sz="2000" b="1" u="sng" dirty="0"/>
+          </a:p>
+        </p:txBody>
+      </p:sp>
+      <p:sp>
+        <p:nvSpPr>
+          <p:cNvPr id="62" name="正方形/長方形 61">
+            <a:extLst>
+              <a:ext uri="{FF2B5EF4-FFF2-40B4-BE49-F238E27FC236}">
+                <a16:creationId xmlns:a16="http://schemas.microsoft.com/office/drawing/2014/main" id="{D6CC334C-B821-4D23-BD0B-F4272A5E28B0}"/>
+              </a:ext>
+            </a:extLst>
+          </p:cNvPr>
+          <p:cNvSpPr/>
+          <p:nvPr/>
+        </p:nvSpPr>
+        <p:spPr>
+          <a:xfrm>
+            <a:off x="574766" y="283873"/>
+            <a:ext cx="6277510" cy="6199601"/>
+          </a:xfrm>
+          <a:prstGeom prst="rect">
+            <a:avLst/>
+          </a:prstGeom>
+          <a:noFill/>
+          <a:ln>
+            <a:prstDash val="lgDash"/>
+          </a:ln>
+        </p:spPr>
+        <p:style>
+          <a:lnRef idx="2">
+            <a:schemeClr val="dk1"/>
+          </a:lnRef>
+          <a:fillRef idx="1">
+            <a:schemeClr val="lt1"/>
+          </a:fillRef>
+          <a:effectRef idx="0">
+            <a:schemeClr val="dk1"/>
+          </a:effectRef>
+          <a:fontRef idx="minor">
+            <a:schemeClr val="dk1"/>
+          </a:fontRef>
+        </p:style>
+        <p:txBody>
+          <a:bodyPr rtlCol="0" anchor="ctr"/>
+          <a:lstStyle/>
+          <a:p>
+            <a:pPr algn="ctr"/>
+            <a:endParaRPr kumimoji="1" lang="ja-JP" altLang="en-US"/>
           </a:p>
         </p:txBody>
       </p:sp>
